--- a/CS410 Project - Cuisine Classifier.pptx
+++ b/CS410 Project - Cuisine Classifier.pptx
@@ -7701,16 +7701,31 @@
           <a:lstStyle/>
           <a:p>
             <a:r>
-              <a:rPr lang="en-US" dirty="0"/>
-              <a:t>By Shanthakumar Subramanian, Rama </a:t>
+              <a:rPr lang="en-US" b="1" dirty="0"/>
+              <a:t>By</a:t>
+            </a:r>
+          </a:p>
+          <a:p>
+            <a:r>
+              <a:rPr lang="en-US" dirty="0"/>
+              <a:t>Naveen Kumar Palani</a:t>
+            </a:r>
+          </a:p>
+          <a:p>
+            <a:r>
+              <a:rPr lang="en-US" dirty="0"/>
+              <a:t> Rama </a:t>
             </a:r>
             <a:r>
               <a:rPr lang="en-US" dirty="0" err="1"/>
               <a:t>Anem</a:t>
             </a:r>
-            <a:r>
-              <a:rPr lang="en-US" dirty="0"/>
-              <a:t>, Naveen Kumar Palani</a:t>
+            <a:endParaRPr lang="en-US" dirty="0"/>
+          </a:p>
+          <a:p>
+            <a:r>
+              <a:rPr lang="en-US" dirty="0"/>
+              <a:t> Shanthakumar Subramanian</a:t>
             </a:r>
           </a:p>
           <a:p>

--- a/CS410 Project - Cuisine Classifier.pptx
+++ b/CS410 Project - Cuisine Classifier.pptx
@@ -7708,7 +7708,7 @@
           <a:p>
             <a:r>
               <a:rPr lang="en-US" dirty="0"/>
-              <a:t>Naveen Kumar Palani</a:t>
+              <a:t> Naveen Kumar Palani</a:t>
             </a:r>
           </a:p>
           <a:p>
@@ -9884,12 +9884,12 @@
         <p:spPr>
           <a:xfrm>
             <a:off x="2589212" y="1132345"/>
-            <a:ext cx="8915400" cy="3298975"/>
+            <a:ext cx="8915400" cy="3819483"/>
           </a:xfrm>
         </p:spPr>
         <p:txBody>
           <a:bodyPr>
-            <a:normAutofit lnSpcReduction="10000"/>
+            <a:normAutofit fontScale="92500" lnSpcReduction="10000"/>
           </a:bodyPr>
           <a:lstStyle/>
           <a:p>
@@ -9922,30 +9922,52 @@
           <a:p>
             <a:pPr lvl="1"/>
             <a:r>
-              <a:rPr lang="en-US" dirty="0"/>
+              <a:rPr lang="en-US" sz="1400" dirty="0"/>
               <a:t>Fork the project  from </a:t>
             </a:r>
             <a:r>
-              <a:rPr lang="en-US" dirty="0">
+              <a:rPr lang="en-US" sz="1400" dirty="0">
                 <a:hlinkClick r:id="rId2"/>
               </a:rPr>
               <a:t>https://github.com/pnaveen4u87/Cuisine_Classifier</a:t>
             </a:r>
-            <a:endParaRPr lang="en-US" dirty="0"/>
+            <a:endParaRPr lang="en-US" sz="1400" dirty="0"/>
           </a:p>
           <a:p>
             <a:pPr lvl="1"/>
             <a:r>
-              <a:rPr lang="en-US" dirty="0"/>
+              <a:rPr lang="en-US" sz="1400" dirty="0"/>
               <a:t>Go to settings of the forked repository</a:t>
             </a:r>
           </a:p>
           <a:p>
             <a:pPr lvl="1"/>
             <a:r>
-              <a:rPr lang="en-US" dirty="0"/>
+              <a:rPr lang="en-US" sz="1400" dirty="0"/>
               <a:t>Scroll down to GitHub Pages  section and select “master branch” under source and save the settings. This  will generate the URL for you to access the Cuisine classifier UI to view and filter your results.</a:t>
             </a:r>
+          </a:p>
+          <a:p>
+            <a:pPr lvl="1"/>
+            <a:r>
+              <a:rPr lang="en-US" sz="1400" dirty="0"/>
+              <a:t>The URL generated wont have the complete path. You need to add “cuisine_recipe.html”  to the URL generated by GitHub so that the URL looks something like below</a:t>
+            </a:r>
+          </a:p>
+          <a:p>
+            <a:pPr lvl="2"/>
+            <a:r>
+              <a:rPr lang="en-US" sz="1200" dirty="0"/>
+              <a:t>https://shan87.github.io/Cuisine_Classifier/cuisine_recipe.html</a:t>
+            </a:r>
+          </a:p>
+          <a:p>
+            <a:pPr lvl="1"/>
+            <a:endParaRPr lang="en-US" dirty="0"/>
+          </a:p>
+          <a:p>
+            <a:pPr lvl="1"/>
+            <a:endParaRPr lang="en-US" dirty="0"/>
           </a:p>
           <a:p>
             <a:pPr lvl="1"/>
@@ -9996,8 +10018,8 @@
         </p:blipFill>
         <p:spPr>
           <a:xfrm>
-            <a:off x="2505075" y="4431320"/>
-            <a:ext cx="8650605" cy="2167758"/>
+            <a:off x="2505075" y="4951828"/>
+            <a:ext cx="8650605" cy="1647249"/>
           </a:xfrm>
           <a:prstGeom prst="rect">
             <a:avLst/>

--- a/CS410 Project - Cuisine Classifier.pptx
+++ b/CS410 Project - Cuisine Classifier.pptx
@@ -315,7 +315,7 @@
             <a:fld id="{B61BEF0D-F0BB-DE4B-95CE-6DB70DBA9567}" type="datetimeFigureOut">
               <a:rPr lang="en-US" dirty="0"/>
               <a:pPr/>
-              <a:t>12/8/2018</a:t>
+              <a:t>12/10/2018</a:t>
             </a:fld>
             <a:endParaRPr lang="en-US" dirty="0"/>
           </a:p>
@@ -650,7 +650,7 @@
             <a:fld id="{B61BEF0D-F0BB-DE4B-95CE-6DB70DBA9567}" type="datetimeFigureOut">
               <a:rPr lang="en-US" dirty="0"/>
               <a:pPr/>
-              <a:t>12/8/2018</a:t>
+              <a:t>12/10/2018</a:t>
             </a:fld>
             <a:endParaRPr lang="en-US" dirty="0"/>
           </a:p>
@@ -1048,7 +1048,7 @@
             <a:fld id="{B61BEF0D-F0BB-DE4B-95CE-6DB70DBA9567}" type="datetimeFigureOut">
               <a:rPr lang="en-US" dirty="0"/>
               <a:pPr/>
-              <a:t>12/8/2018</a:t>
+              <a:t>12/10/2018</a:t>
             </a:fld>
             <a:endParaRPr lang="en-US" dirty="0"/>
           </a:p>
@@ -1381,7 +1381,7 @@
             <a:fld id="{B61BEF0D-F0BB-DE4B-95CE-6DB70DBA9567}" type="datetimeFigureOut">
               <a:rPr lang="en-US" dirty="0"/>
               <a:pPr/>
-              <a:t>12/8/2018</a:t>
+              <a:t>12/10/2018</a:t>
             </a:fld>
             <a:endParaRPr lang="en-US" dirty="0"/>
           </a:p>
@@ -1698,7 +1698,7 @@
             <a:fld id="{B61BEF0D-F0BB-DE4B-95CE-6DB70DBA9567}" type="datetimeFigureOut">
               <a:rPr lang="en-US" dirty="0"/>
               <a:pPr/>
-              <a:t>12/8/2018</a:t>
+              <a:t>12/10/2018</a:t>
             </a:fld>
             <a:endParaRPr lang="en-US" dirty="0"/>
           </a:p>
@@ -2091,7 +2091,7 @@
             <a:fld id="{B61BEF0D-F0BB-DE4B-95CE-6DB70DBA9567}" type="datetimeFigureOut">
               <a:rPr lang="en-US" dirty="0"/>
               <a:pPr/>
-              <a:t>12/8/2018</a:t>
+              <a:t>12/10/2018</a:t>
             </a:fld>
             <a:endParaRPr lang="en-US" dirty="0"/>
           </a:p>
@@ -2345,7 +2345,7 @@
             <a:fld id="{B61BEF0D-F0BB-DE4B-95CE-6DB70DBA9567}" type="datetimeFigureOut">
               <a:rPr lang="en-US" dirty="0"/>
               <a:pPr/>
-              <a:t>12/8/2018</a:t>
+              <a:t>12/10/2018</a:t>
             </a:fld>
             <a:endParaRPr lang="en-US" dirty="0"/>
           </a:p>
@@ -2604,7 +2604,7 @@
             <a:fld id="{B61BEF0D-F0BB-DE4B-95CE-6DB70DBA9567}" type="datetimeFigureOut">
               <a:rPr lang="en-US" dirty="0"/>
               <a:pPr/>
-              <a:t>12/8/2018</a:t>
+              <a:t>12/10/2018</a:t>
             </a:fld>
             <a:endParaRPr lang="en-US" dirty="0"/>
           </a:p>
@@ -2863,7 +2863,7 @@
             <a:fld id="{B61BEF0D-F0BB-DE4B-95CE-6DB70DBA9567}" type="datetimeFigureOut">
               <a:rPr lang="en-US" dirty="0"/>
               <a:pPr/>
-              <a:t>12/8/2018</a:t>
+              <a:t>12/10/2018</a:t>
             </a:fld>
             <a:endParaRPr lang="en-US" dirty="0"/>
           </a:p>
@@ -3189,7 +3189,7 @@
             <a:fld id="{B61BEF0D-F0BB-DE4B-95CE-6DB70DBA9567}" type="datetimeFigureOut">
               <a:rPr lang="en-US" dirty="0"/>
               <a:pPr/>
-              <a:t>12/8/2018</a:t>
+              <a:t>12/10/2018</a:t>
             </a:fld>
             <a:endParaRPr lang="en-US" dirty="0"/>
           </a:p>
@@ -3509,7 +3509,7 @@
             <a:fld id="{B61BEF0D-F0BB-DE4B-95CE-6DB70DBA9567}" type="datetimeFigureOut">
               <a:rPr lang="en-US" dirty="0"/>
               <a:pPr/>
-              <a:t>12/8/2018</a:t>
+              <a:t>12/10/2018</a:t>
             </a:fld>
             <a:endParaRPr lang="en-US" dirty="0"/>
           </a:p>
@@ -3963,7 +3963,7 @@
             <a:fld id="{B61BEF0D-F0BB-DE4B-95CE-6DB70DBA9567}" type="datetimeFigureOut">
               <a:rPr lang="en-US" dirty="0"/>
               <a:pPr/>
-              <a:t>12/8/2018</a:t>
+              <a:t>12/10/2018</a:t>
             </a:fld>
             <a:endParaRPr lang="en-US" dirty="0"/>
           </a:p>
@@ -4165,7 +4165,7 @@
             <a:fld id="{B61BEF0D-F0BB-DE4B-95CE-6DB70DBA9567}" type="datetimeFigureOut">
               <a:rPr lang="en-US" dirty="0"/>
               <a:pPr/>
-              <a:t>12/8/2018</a:t>
+              <a:t>12/10/2018</a:t>
             </a:fld>
             <a:endParaRPr lang="en-US" dirty="0"/>
           </a:p>
@@ -4339,7 +4339,7 @@
             <a:fld id="{B61BEF0D-F0BB-DE4B-95CE-6DB70DBA9567}" type="datetimeFigureOut">
               <a:rPr lang="en-US" dirty="0"/>
               <a:pPr/>
-              <a:t>12/8/2018</a:t>
+              <a:t>12/10/2018</a:t>
             </a:fld>
             <a:endParaRPr lang="en-US" dirty="0"/>
           </a:p>
@@ -4669,7 +4669,7 @@
             <a:fld id="{B61BEF0D-F0BB-DE4B-95CE-6DB70DBA9567}" type="datetimeFigureOut">
               <a:rPr lang="en-US" dirty="0"/>
               <a:pPr/>
-              <a:t>12/8/2018</a:t>
+              <a:t>12/10/2018</a:t>
             </a:fld>
             <a:endParaRPr lang="en-US" dirty="0"/>
           </a:p>
@@ -5011,7 +5011,7 @@
             <a:fld id="{B61BEF0D-F0BB-DE4B-95CE-6DB70DBA9567}" type="datetimeFigureOut">
               <a:rPr lang="en-US" dirty="0"/>
               <a:pPr/>
-              <a:t>12/8/2018</a:t>
+              <a:t>12/10/2018</a:t>
             </a:fld>
             <a:endParaRPr lang="en-US" dirty="0"/>
           </a:p>
@@ -7125,7 +7125,7 @@
             <a:fld id="{B61BEF0D-F0BB-DE4B-95CE-6DB70DBA9567}" type="datetimeFigureOut">
               <a:rPr lang="en-US" dirty="0"/>
               <a:pPr/>
-              <a:t>12/8/2018</a:t>
+              <a:t>12/10/2018</a:t>
             </a:fld>
             <a:endParaRPr lang="en-US" dirty="0"/>
           </a:p>
@@ -7713,20 +7713,22 @@
           </a:p>
           <a:p>
             <a:r>
-              <a:rPr lang="en-US" dirty="0"/>
-              <a:t> Rama </a:t>
-            </a:r>
-            <a:r>
               <a:rPr lang="en-US" dirty="0" err="1"/>
-              <a:t>Anem</a:t>
-            </a:r>
-            <a:endParaRPr lang="en-US" dirty="0"/>
-          </a:p>
-          <a:p>
-            <a:r>
-              <a:rPr lang="en-US" dirty="0"/>
-              <a:t> Shanthakumar Subramanian</a:t>
-            </a:r>
+              <a:t>Shanthakumar</a:t>
+            </a:r>
+            <a:r>
+              <a:rPr lang="en-US" dirty="0"/>
+              <a:t> Subramanian</a:t>
+            </a:r>
+          </a:p>
+          <a:p>
+            <a:r>
+              <a:rPr lang="en-US" dirty="0"/>
+              <a:t>Rama Anem</a:t>
+            </a:r>
+          </a:p>
+          <a:p>
+            <a:endParaRPr lang="en-US" dirty="0"/>
           </a:p>
           <a:p>
             <a:endParaRPr lang="en-US" dirty="0"/>
